--- a/PayFive/assets/logo/logo_work.pptx
+++ b/PayFive/assets/logo/logo_work.pptx
@@ -7,9 +7,9 @@
   <p:sldIdLst>
     <p:sldId id="261" r:id="rId2"/>
     <p:sldId id="259" r:id="rId3"/>
-    <p:sldId id="260" r:id="rId4"/>
-    <p:sldId id="257" r:id="rId5"/>
-    <p:sldId id="256" r:id="rId6"/>
+    <p:sldId id="257" r:id="rId4"/>
+    <p:sldId id="256" r:id="rId5"/>
+    <p:sldId id="263" r:id="rId6"/>
   </p:sldIdLst>
   <p:sldSz cx="9144000" cy="6858000" type="letter"/>
   <p:notesSz cx="6858000" cy="9144000"/>
@@ -292,7 +292,7 @@
           <a:p>
             <a:fld id="{C662B260-CBBC-FD45-B27E-3D39246EC016}" type="datetimeFigureOut">
               <a:rPr lang="en-US" smtClean="0"/>
-              <a:t>3/26/14</a:t>
+              <a:t>4/2/14</a:t>
             </a:fld>
             <a:endParaRPr lang="en-US"/>
           </a:p>
@@ -462,7 +462,7 @@
           <a:p>
             <a:fld id="{C662B260-CBBC-FD45-B27E-3D39246EC016}" type="datetimeFigureOut">
               <a:rPr lang="en-US" smtClean="0"/>
-              <a:t>3/26/14</a:t>
+              <a:t>4/2/14</a:t>
             </a:fld>
             <a:endParaRPr lang="en-US"/>
           </a:p>
@@ -642,7 +642,7 @@
           <a:p>
             <a:fld id="{C662B260-CBBC-FD45-B27E-3D39246EC016}" type="datetimeFigureOut">
               <a:rPr lang="en-US" smtClean="0"/>
-              <a:t>3/26/14</a:t>
+              <a:t>4/2/14</a:t>
             </a:fld>
             <a:endParaRPr lang="en-US"/>
           </a:p>
@@ -812,7 +812,7 @@
           <a:p>
             <a:fld id="{C662B260-CBBC-FD45-B27E-3D39246EC016}" type="datetimeFigureOut">
               <a:rPr lang="en-US" smtClean="0"/>
-              <a:t>3/26/14</a:t>
+              <a:t>4/2/14</a:t>
             </a:fld>
             <a:endParaRPr lang="en-US"/>
           </a:p>
@@ -1058,7 +1058,7 @@
           <a:p>
             <a:fld id="{C662B260-CBBC-FD45-B27E-3D39246EC016}" type="datetimeFigureOut">
               <a:rPr lang="en-US" smtClean="0"/>
-              <a:t>3/26/14</a:t>
+              <a:t>4/2/14</a:t>
             </a:fld>
             <a:endParaRPr lang="en-US"/>
           </a:p>
@@ -1346,7 +1346,7 @@
           <a:p>
             <a:fld id="{C662B260-CBBC-FD45-B27E-3D39246EC016}" type="datetimeFigureOut">
               <a:rPr lang="en-US" smtClean="0"/>
-              <a:t>3/26/14</a:t>
+              <a:t>4/2/14</a:t>
             </a:fld>
             <a:endParaRPr lang="en-US"/>
           </a:p>
@@ -1768,7 +1768,7 @@
           <a:p>
             <a:fld id="{C662B260-CBBC-FD45-B27E-3D39246EC016}" type="datetimeFigureOut">
               <a:rPr lang="en-US" smtClean="0"/>
-              <a:t>3/26/14</a:t>
+              <a:t>4/2/14</a:t>
             </a:fld>
             <a:endParaRPr lang="en-US"/>
           </a:p>
@@ -1886,7 +1886,7 @@
           <a:p>
             <a:fld id="{C662B260-CBBC-FD45-B27E-3D39246EC016}" type="datetimeFigureOut">
               <a:rPr lang="en-US" smtClean="0"/>
-              <a:t>3/26/14</a:t>
+              <a:t>4/2/14</a:t>
             </a:fld>
             <a:endParaRPr lang="en-US"/>
           </a:p>
@@ -1981,7 +1981,7 @@
           <a:p>
             <a:fld id="{C662B260-CBBC-FD45-B27E-3D39246EC016}" type="datetimeFigureOut">
               <a:rPr lang="en-US" smtClean="0"/>
-              <a:t>3/26/14</a:t>
+              <a:t>4/2/14</a:t>
             </a:fld>
             <a:endParaRPr lang="en-US"/>
           </a:p>
@@ -2258,7 +2258,7 @@
           <a:p>
             <a:fld id="{C662B260-CBBC-FD45-B27E-3D39246EC016}" type="datetimeFigureOut">
               <a:rPr lang="en-US" smtClean="0"/>
-              <a:t>3/26/14</a:t>
+              <a:t>4/2/14</a:t>
             </a:fld>
             <a:endParaRPr lang="en-US"/>
           </a:p>
@@ -2511,7 +2511,7 @@
           <a:p>
             <a:fld id="{C662B260-CBBC-FD45-B27E-3D39246EC016}" type="datetimeFigureOut">
               <a:rPr lang="en-US" smtClean="0"/>
-              <a:t>3/26/14</a:t>
+              <a:t>4/2/14</a:t>
             </a:fld>
             <a:endParaRPr lang="en-US"/>
           </a:p>
@@ -2724,7 +2724,7 @@
           <a:p>
             <a:fld id="{C662B260-CBBC-FD45-B27E-3D39246EC016}" type="datetimeFigureOut">
               <a:rPr lang="en-US" smtClean="0"/>
-              <a:t>3/26/14</a:t>
+              <a:t>4/2/14</a:t>
             </a:fld>
             <a:endParaRPr lang="en-US"/>
           </a:p>
@@ -3349,159 +3349,6 @@
       </p:grpSpPr>
       <p:sp>
         <p:nvSpPr>
-          <p:cNvPr id="6" name="TextBox 5"/>
-          <p:cNvSpPr txBox="1"/>
-          <p:nvPr/>
-        </p:nvSpPr>
-        <p:spPr>
-          <a:xfrm>
-            <a:off x="5090884" y="3227029"/>
-            <a:ext cx="605692" cy="1200329"/>
-          </a:xfrm>
-          <a:prstGeom prst="rect">
-            <a:avLst/>
-          </a:prstGeom>
-          <a:noFill/>
-        </p:spPr>
-        <p:txBody>
-          <a:bodyPr wrap="square" rtlCol="0">
-            <a:spAutoFit/>
-          </a:bodyPr>
-          <a:lstStyle/>
-          <a:p>
-            <a:r>
-              <a:rPr lang="en-US" sz="7200" dirty="0" smtClean="0">
-                <a:solidFill>
-                  <a:srgbClr val="11855A"/>
-                </a:solidFill>
-                <a:latin typeface="Abadi MT Condensed Extra Bold"/>
-                <a:cs typeface="Abadi MT Condensed Extra Bold"/>
-              </a:rPr>
-              <a:t>$</a:t>
-            </a:r>
-            <a:endParaRPr lang="en-US" sz="7200" dirty="0">
-              <a:solidFill>
-                <a:srgbClr val="11855A"/>
-              </a:solidFill>
-              <a:latin typeface="Abadi MT Condensed Extra Bold"/>
-              <a:cs typeface="Abadi MT Condensed Extra Bold"/>
-            </a:endParaRPr>
-          </a:p>
-        </p:txBody>
-      </p:sp>
-      <p:sp>
-        <p:nvSpPr>
-          <p:cNvPr id="7" name="Oval 6"/>
-          <p:cNvSpPr/>
-          <p:nvPr/>
-        </p:nvSpPr>
-        <p:spPr>
-          <a:xfrm>
-            <a:off x="3287595" y="1965555"/>
-            <a:ext cx="2743200" cy="2743200"/>
-          </a:xfrm>
-          <a:prstGeom prst="ellipse">
-            <a:avLst/>
-          </a:prstGeom>
-          <a:noFill/>
-          <a:ln w="127000" cmpd="sng">
-            <a:solidFill>
-              <a:srgbClr val="217F58"/>
-            </a:solidFill>
-          </a:ln>
-        </p:spPr>
-        <p:style>
-          <a:lnRef idx="1">
-            <a:schemeClr val="accent1"/>
-          </a:lnRef>
-          <a:fillRef idx="3">
-            <a:schemeClr val="accent1"/>
-          </a:fillRef>
-          <a:effectRef idx="2">
-            <a:schemeClr val="accent1"/>
-          </a:effectRef>
-          <a:fontRef idx="minor">
-            <a:schemeClr val="lt1"/>
-          </a:fontRef>
-        </p:style>
-        <p:txBody>
-          <a:bodyPr rtlCol="0" anchor="ctr"/>
-          <a:lstStyle/>
-          <a:p>
-            <a:pPr algn="ctr"/>
-            <a:endParaRPr lang="en-US"/>
-          </a:p>
-        </p:txBody>
-      </p:sp>
-      <p:pic>
-        <p:nvPicPr>
-          <p:cNvPr id="9" name="Picture 8" descr="payfive_logo_v5_hand3.png"/>
-          <p:cNvPicPr>
-            <a:picLocks noChangeAspect="1"/>
-          </p:cNvPicPr>
-          <p:nvPr/>
-        </p:nvPicPr>
-        <p:blipFill>
-          <a:blip r:embed="rId2">
-            <a:extLst>
-              <a:ext uri="{28A0092B-C50C-407E-A947-70E740481C1C}">
-                <a14:useLocalDpi xmlns:a14="http://schemas.microsoft.com/office/drawing/2010/main" val="0"/>
-              </a:ext>
-            </a:extLst>
-          </a:blip>
-          <a:stretch>
-            <a:fillRect/>
-          </a:stretch>
-        </p:blipFill>
-        <p:spPr>
-          <a:xfrm rot="1652706">
-            <a:off x="3269530" y="2081979"/>
-            <a:ext cx="2408338" cy="2389224"/>
-          </a:xfrm>
-          <a:prstGeom prst="rect">
-            <a:avLst/>
-          </a:prstGeom>
-        </p:spPr>
-      </p:pic>
-    </p:spTree>
-    <p:extLst>
-      <p:ext uri="{BB962C8B-B14F-4D97-AF65-F5344CB8AC3E}">
-        <p14:creationId xmlns:p14="http://schemas.microsoft.com/office/powerpoint/2010/main" val="3458180731"/>
-      </p:ext>
-    </p:extLst>
-  </p:cSld>
-  <p:clrMapOvr>
-    <a:masterClrMapping/>
-  </p:clrMapOvr>
-  <p:timing>
-    <p:tnLst>
-      <p:par>
-        <p:cTn xmlns:p14="http://schemas.microsoft.com/office/powerpoint/2010/main" id="1" dur="indefinite" restart="never" nodeType="tmRoot"/>
-      </p:par>
-    </p:tnLst>
-  </p:timing>
-</p:sld>
-</file>
-
-<file path=ppt/slides/slide4.xml><?xml version="1.0" encoding="utf-8"?>
-<p:sld xmlns:a="http://schemas.openxmlformats.org/drawingml/2006/main" xmlns:r="http://schemas.openxmlformats.org/officeDocument/2006/relationships" xmlns:p="http://schemas.openxmlformats.org/presentationml/2006/main">
-  <p:cSld>
-    <p:spTree>
-      <p:nvGrpSpPr>
-        <p:cNvPr id="1" name=""/>
-        <p:cNvGrpSpPr/>
-        <p:nvPr/>
-      </p:nvGrpSpPr>
-      <p:grpSpPr>
-        <a:xfrm>
-          <a:off x="0" y="0"/>
-          <a:ext cx="0" cy="0"/>
-          <a:chOff x="0" y="0"/>
-          <a:chExt cx="0" cy="0"/>
-        </a:xfrm>
-      </p:grpSpPr>
-      <p:sp>
-        <p:nvSpPr>
           <p:cNvPr id="5" name="Rectangle 4"/>
           <p:cNvSpPr>
             <a:spLocks noChangeAspect="1"/>
@@ -3719,7 +3566,7 @@
 </p:sld>
 </file>
 
-<file path=ppt/slides/slide5.xml><?xml version="1.0" encoding="utf-8"?>
+<file path=ppt/slides/slide4.xml><?xml version="1.0" encoding="utf-8"?>
 <p:sld xmlns:a="http://schemas.openxmlformats.org/drawingml/2006/main" xmlns:r="http://schemas.openxmlformats.org/officeDocument/2006/relationships" xmlns:p="http://schemas.openxmlformats.org/presentationml/2006/main">
   <p:cSld>
     <p:spTree>
@@ -3925,6 +3772,177 @@
       </p:par>
     </p:tnLst>
   </p:timing>
+</p:sld>
+</file>
+
+<file path=ppt/slides/slide5.xml><?xml version="1.0" encoding="utf-8"?>
+<p:sld xmlns:a="http://schemas.openxmlformats.org/drawingml/2006/main" xmlns:r="http://schemas.openxmlformats.org/officeDocument/2006/relationships" xmlns:p="http://schemas.openxmlformats.org/presentationml/2006/main">
+  <p:cSld>
+    <p:spTree>
+      <p:nvGrpSpPr>
+        <p:cNvPr id="1" name=""/>
+        <p:cNvGrpSpPr/>
+        <p:nvPr/>
+      </p:nvGrpSpPr>
+      <p:grpSpPr>
+        <a:xfrm>
+          <a:off x="0" y="0"/>
+          <a:ext cx="0" cy="0"/>
+          <a:chOff x="0" y="0"/>
+          <a:chExt cx="0" cy="0"/>
+        </a:xfrm>
+      </p:grpSpPr>
+      <p:sp>
+        <p:nvSpPr>
+          <p:cNvPr id="5" name="Oval 4"/>
+          <p:cNvSpPr>
+            <a:spLocks noChangeAspect="1"/>
+          </p:cNvSpPr>
+          <p:nvPr/>
+        </p:nvSpPr>
+        <p:spPr>
+          <a:xfrm>
+            <a:off x="823355" y="246693"/>
+            <a:ext cx="5486400" cy="5486400"/>
+          </a:xfrm>
+          <a:prstGeom prst="ellipse">
+            <a:avLst/>
+          </a:prstGeom>
+          <a:gradFill flip="none" rotWithShape="1">
+            <a:gsLst>
+              <a:gs pos="32000">
+                <a:schemeClr val="bg1"/>
+              </a:gs>
+              <a:gs pos="8000">
+                <a:schemeClr val="bg1">
+                  <a:lumMod val="75000"/>
+                </a:schemeClr>
+              </a:gs>
+            </a:gsLst>
+            <a:lin ang="16200000" scaled="0"/>
+            <a:tileRect/>
+          </a:gradFill>
+          <a:ln w="190500" cap="flat" cmpd="sng">
+            <a:solidFill>
+              <a:srgbClr val="27916E"/>
+            </a:solidFill>
+            <a:prstDash val="solid"/>
+            <a:round/>
+          </a:ln>
+          <a:effectLst>
+            <a:outerShdw blurRad="50800" dist="38100" dir="5400000" algn="t" rotWithShape="0">
+              <a:prstClr val="black">
+                <a:alpha val="40000"/>
+              </a:prstClr>
+            </a:outerShdw>
+          </a:effectLst>
+        </p:spPr>
+        <p:style>
+          <a:lnRef idx="1">
+            <a:schemeClr val="accent1"/>
+          </a:lnRef>
+          <a:fillRef idx="3">
+            <a:schemeClr val="accent1"/>
+          </a:fillRef>
+          <a:effectRef idx="2">
+            <a:schemeClr val="accent1"/>
+          </a:effectRef>
+          <a:fontRef idx="minor">
+            <a:schemeClr val="lt1"/>
+          </a:fontRef>
+        </p:style>
+        <p:txBody>
+          <a:bodyPr rtlCol="0" anchor="ctr"/>
+          <a:lstStyle/>
+          <a:p>
+            <a:pPr algn="ctr"/>
+            <a:endParaRPr lang="en-US"/>
+          </a:p>
+        </p:txBody>
+      </p:sp>
+      <p:sp>
+        <p:nvSpPr>
+          <p:cNvPr id="6" name="TextBox 5"/>
+          <p:cNvSpPr txBox="1"/>
+          <p:nvPr/>
+        </p:nvSpPr>
+        <p:spPr>
+          <a:xfrm>
+            <a:off x="4561442" y="2923299"/>
+            <a:ext cx="874159" cy="2215991"/>
+          </a:xfrm>
+          <a:prstGeom prst="rect">
+            <a:avLst/>
+          </a:prstGeom>
+          <a:noFill/>
+        </p:spPr>
+        <p:txBody>
+          <a:bodyPr wrap="square" rtlCol="0">
+            <a:spAutoFit/>
+          </a:bodyPr>
+          <a:lstStyle/>
+          <a:p>
+            <a:r>
+              <a:rPr lang="en-US" sz="13800" dirty="0" smtClean="0">
+                <a:solidFill>
+                  <a:srgbClr val="149871"/>
+                </a:solidFill>
+                <a:latin typeface="Abadi MT Condensed Extra Bold"/>
+                <a:cs typeface="Abadi MT Condensed Extra Bold"/>
+              </a:rPr>
+              <a:t>$</a:t>
+            </a:r>
+            <a:endParaRPr lang="en-US" sz="13800" dirty="0">
+              <a:solidFill>
+                <a:srgbClr val="149871"/>
+              </a:solidFill>
+              <a:latin typeface="Abadi MT Condensed Extra Bold"/>
+              <a:cs typeface="Abadi MT Condensed Extra Bold"/>
+            </a:endParaRPr>
+          </a:p>
+        </p:txBody>
+      </p:sp>
+      <p:pic>
+        <p:nvPicPr>
+          <p:cNvPr id="7" name="Picture 6" descr="hand_trimmed.png"/>
+          <p:cNvPicPr>
+            <a:picLocks noChangeAspect="1"/>
+          </p:cNvPicPr>
+          <p:nvPr/>
+        </p:nvPicPr>
+        <p:blipFill>
+          <a:blip r:embed="rId2">
+            <a:biLevel thresh="75000"/>
+            <a:extLst>
+              <a:ext uri="{28A0092B-C50C-407E-A947-70E740481C1C}">
+                <a14:useLocalDpi xmlns:a14="http://schemas.microsoft.com/office/drawing/2010/main" val="0"/>
+              </a:ext>
+            </a:extLst>
+          </a:blip>
+          <a:stretch>
+            <a:fillRect/>
+          </a:stretch>
+        </p:blipFill>
+        <p:spPr>
+          <a:xfrm flipH="1">
+            <a:off x="1200474" y="533398"/>
+            <a:ext cx="4455255" cy="4928760"/>
+          </a:xfrm>
+          <a:prstGeom prst="rect">
+            <a:avLst/>
+          </a:prstGeom>
+        </p:spPr>
+      </p:pic>
+    </p:spTree>
+    <p:extLst>
+      <p:ext uri="{BB962C8B-B14F-4D97-AF65-F5344CB8AC3E}">
+        <p14:creationId xmlns:p14="http://schemas.microsoft.com/office/powerpoint/2010/main" val="1831939492"/>
+      </p:ext>
+    </p:extLst>
+  </p:cSld>
+  <p:clrMapOvr>
+    <a:masterClrMapping/>
+  </p:clrMapOvr>
 </p:sld>
 </file>
 
